--- a/group_poster_pieces.pptx
+++ b/group_poster_pieces.pptx
@@ -10,6 +10,7 @@
     <p:sldId id="259" r:id="rId4"/>
     <p:sldId id="260" r:id="rId5"/>
     <p:sldId id="256" r:id="rId6"/>
+    <p:sldId id="261" r:id="rId7"/>
   </p:sldIdLst>
   <p:sldSz cx="21383625" cy="30275213"/>
   <p:notesSz cx="6858000" cy="9144000"/>
@@ -8830,7 +8831,6 @@
               <a:rPr lang="en-US" sz="4000" dirty="0"/>
               <a:t> Layer</a:t>
             </a:r>
-            <a:endParaRPr lang="en-US" sz="4000" dirty="0"/>
           </a:p>
         </p:txBody>
       </p:sp>
@@ -8874,7 +8874,6 @@
               <a:rPr lang="en-US" sz="4000" dirty="0"/>
               <a:t>LSTM/GRU Layer</a:t>
             </a:r>
-            <a:endParaRPr lang="en-US" sz="4000" dirty="0"/>
           </a:p>
         </p:txBody>
       </p:sp>
@@ -8918,7 +8917,6 @@
               <a:rPr lang="en-US" sz="4000" dirty="0"/>
               <a:t>LSTM/GRU Layer</a:t>
             </a:r>
-            <a:endParaRPr lang="en-US" sz="4000" dirty="0"/>
           </a:p>
         </p:txBody>
       </p:sp>
@@ -8962,7 +8960,6 @@
               <a:rPr lang="en-US" sz="4000" dirty="0"/>
               <a:t>Embedding Layer</a:t>
             </a:r>
-            <a:endParaRPr lang="en-US" sz="4000" dirty="0"/>
           </a:p>
         </p:txBody>
       </p:sp>
@@ -10115,6 +10112,623 @@
     <p:extLst>
       <p:ext uri="{BB962C8B-B14F-4D97-AF65-F5344CB8AC3E}">
         <p14:creationId xmlns:p14="http://schemas.microsoft.com/office/powerpoint/2010/main" val="1442750483"/>
+      </p:ext>
+    </p:extLst>
+  </p:cSld>
+  <p:clrMapOvr>
+    <a:masterClrMapping/>
+  </p:clrMapOvr>
+</p:sld>
+</file>
+
+<file path=ppt/slides/slide6.xml><?xml version="1.0" encoding="utf-8"?>
+<p:sld xmlns:a="http://schemas.openxmlformats.org/drawingml/2006/main" xmlns:r="http://schemas.openxmlformats.org/officeDocument/2006/relationships" xmlns:p="http://schemas.openxmlformats.org/presentationml/2006/main">
+  <p:cSld>
+    <p:spTree>
+      <p:nvGrpSpPr>
+        <p:cNvPr id="1" name=""/>
+        <p:cNvGrpSpPr/>
+        <p:nvPr/>
+      </p:nvGrpSpPr>
+      <p:grpSpPr>
+        <a:xfrm>
+          <a:off x="0" y="0"/>
+          <a:ext cx="0" cy="0"/>
+          <a:chOff x="0" y="0"/>
+          <a:chExt cx="0" cy="0"/>
+        </a:xfrm>
+      </p:grpSpPr>
+      <p:sp>
+        <p:nvSpPr>
+          <p:cNvPr id="2" name="Title 1"/>
+          <p:cNvSpPr>
+            <a:spLocks noGrp="1"/>
+          </p:cNvSpPr>
+          <p:nvPr>
+            <p:ph type="title"/>
+          </p:nvPr>
+        </p:nvSpPr>
+        <p:spPr>
+          <a:xfrm>
+            <a:off x="1470124" y="1611882"/>
+            <a:ext cx="18443377" cy="2492285"/>
+          </a:xfrm>
+        </p:spPr>
+        <p:txBody>
+          <a:bodyPr/>
+          <a:lstStyle/>
+          <a:p>
+            <a:endParaRPr lang="en-US"/>
+          </a:p>
+        </p:txBody>
+      </p:sp>
+      <p:sp>
+        <p:nvSpPr>
+          <p:cNvPr id="4" name="Can 3"/>
+          <p:cNvSpPr/>
+          <p:nvPr/>
+        </p:nvSpPr>
+        <p:spPr>
+          <a:xfrm>
+            <a:off x="1850063" y="9750057"/>
+            <a:ext cx="2381693" cy="2190307"/>
+          </a:xfrm>
+          <a:prstGeom prst="can">
+            <a:avLst/>
+          </a:prstGeom>
+        </p:spPr>
+        <p:style>
+          <a:lnRef idx="2">
+            <a:schemeClr val="accent6">
+              <a:shade val="50000"/>
+            </a:schemeClr>
+          </a:lnRef>
+          <a:fillRef idx="1">
+            <a:schemeClr val="accent6"/>
+          </a:fillRef>
+          <a:effectRef idx="0">
+            <a:schemeClr val="accent6"/>
+          </a:effectRef>
+          <a:fontRef idx="minor">
+            <a:schemeClr val="lt1"/>
+          </a:fontRef>
+        </p:style>
+        <p:txBody>
+          <a:bodyPr rtlCol="0" anchor="ctr"/>
+          <a:lstStyle/>
+          <a:p>
+            <a:pPr algn="ctr"/>
+            <a:r>
+              <a:rPr lang="en-US" sz="3600" dirty="0" smtClean="0"/>
+              <a:t>Train</a:t>
+            </a:r>
+            <a:endParaRPr lang="en-US" sz="3600" dirty="0"/>
+          </a:p>
+        </p:txBody>
+      </p:sp>
+      <p:sp>
+        <p:nvSpPr>
+          <p:cNvPr id="5" name="Can 4"/>
+          <p:cNvSpPr/>
+          <p:nvPr/>
+        </p:nvSpPr>
+        <p:spPr>
+          <a:xfrm>
+            <a:off x="1850062" y="6352954"/>
+            <a:ext cx="2381693" cy="2190307"/>
+          </a:xfrm>
+          <a:prstGeom prst="can">
+            <a:avLst/>
+          </a:prstGeom>
+        </p:spPr>
+        <p:style>
+          <a:lnRef idx="2">
+            <a:schemeClr val="accent6">
+              <a:shade val="50000"/>
+            </a:schemeClr>
+          </a:lnRef>
+          <a:fillRef idx="1">
+            <a:schemeClr val="accent6"/>
+          </a:fillRef>
+          <a:effectRef idx="0">
+            <a:schemeClr val="accent6"/>
+          </a:effectRef>
+          <a:fontRef idx="minor">
+            <a:schemeClr val="lt1"/>
+          </a:fontRef>
+        </p:style>
+        <p:txBody>
+          <a:bodyPr rtlCol="0" anchor="ctr"/>
+          <a:lstStyle/>
+          <a:p>
+            <a:pPr algn="ctr"/>
+            <a:r>
+              <a:rPr lang="en-US" sz="3600" dirty="0" smtClean="0"/>
+              <a:t>Validate</a:t>
+            </a:r>
+            <a:endParaRPr lang="en-US" sz="3600" dirty="0"/>
+          </a:p>
+        </p:txBody>
+      </p:sp>
+      <p:sp>
+        <p:nvSpPr>
+          <p:cNvPr id="6" name="Can 5"/>
+          <p:cNvSpPr/>
+          <p:nvPr/>
+        </p:nvSpPr>
+        <p:spPr>
+          <a:xfrm>
+            <a:off x="1850063" y="13056783"/>
+            <a:ext cx="2381693" cy="2190307"/>
+          </a:xfrm>
+          <a:prstGeom prst="can">
+            <a:avLst/>
+          </a:prstGeom>
+        </p:spPr>
+        <p:style>
+          <a:lnRef idx="2">
+            <a:schemeClr val="accent6">
+              <a:shade val="50000"/>
+            </a:schemeClr>
+          </a:lnRef>
+          <a:fillRef idx="1">
+            <a:schemeClr val="accent6"/>
+          </a:fillRef>
+          <a:effectRef idx="0">
+            <a:schemeClr val="accent6"/>
+          </a:effectRef>
+          <a:fontRef idx="minor">
+            <a:schemeClr val="lt1"/>
+          </a:fontRef>
+        </p:style>
+        <p:txBody>
+          <a:bodyPr rtlCol="0" anchor="ctr"/>
+          <a:lstStyle/>
+          <a:p>
+            <a:pPr algn="ctr"/>
+            <a:r>
+              <a:rPr lang="en-US" sz="3600" smtClean="0"/>
+              <a:t>Test</a:t>
+            </a:r>
+            <a:endParaRPr lang="en-US" sz="3600"/>
+          </a:p>
+        </p:txBody>
+      </p:sp>
+      <p:sp>
+        <p:nvSpPr>
+          <p:cNvPr id="7" name="Rounded Rectangle 6"/>
+          <p:cNvSpPr/>
+          <p:nvPr/>
+        </p:nvSpPr>
+        <p:spPr>
+          <a:xfrm>
+            <a:off x="6103087" y="9973340"/>
+            <a:ext cx="2488018" cy="1743740"/>
+          </a:xfrm>
+          <a:prstGeom prst="roundRect">
+            <a:avLst/>
+          </a:prstGeom>
+        </p:spPr>
+        <p:style>
+          <a:lnRef idx="2">
+            <a:schemeClr val="accent1">
+              <a:shade val="50000"/>
+            </a:schemeClr>
+          </a:lnRef>
+          <a:fillRef idx="1">
+            <a:schemeClr val="accent1"/>
+          </a:fillRef>
+          <a:effectRef idx="0">
+            <a:schemeClr val="accent1"/>
+          </a:effectRef>
+          <a:fontRef idx="minor">
+            <a:schemeClr val="lt1"/>
+          </a:fontRef>
+        </p:style>
+        <p:txBody>
+          <a:bodyPr rtlCol="0" anchor="ctr"/>
+          <a:lstStyle/>
+          <a:p>
+            <a:pPr algn="ctr"/>
+            <a:r>
+              <a:rPr lang="en-US" sz="3200" dirty="0" smtClean="0"/>
+              <a:t>Train Model </a:t>
+            </a:r>
+            <a:r>
+              <a:rPr lang="en-US" sz="3200" dirty="0" err="1" smtClean="0"/>
+              <a:t>Params</a:t>
+            </a:r>
+            <a:endParaRPr lang="en-US" sz="3200" dirty="0"/>
+          </a:p>
+        </p:txBody>
+      </p:sp>
+      <p:sp>
+        <p:nvSpPr>
+          <p:cNvPr id="8" name="Rounded Rectangle 7"/>
+          <p:cNvSpPr/>
+          <p:nvPr/>
+        </p:nvSpPr>
+        <p:spPr>
+          <a:xfrm>
+            <a:off x="6103087" y="6576237"/>
+            <a:ext cx="2488018" cy="1743740"/>
+          </a:xfrm>
+          <a:prstGeom prst="roundRect">
+            <a:avLst/>
+          </a:prstGeom>
+        </p:spPr>
+        <p:style>
+          <a:lnRef idx="2">
+            <a:schemeClr val="accent1">
+              <a:shade val="50000"/>
+            </a:schemeClr>
+          </a:lnRef>
+          <a:fillRef idx="1">
+            <a:schemeClr val="accent1"/>
+          </a:fillRef>
+          <a:effectRef idx="0">
+            <a:schemeClr val="accent1"/>
+          </a:effectRef>
+          <a:fontRef idx="minor">
+            <a:schemeClr val="lt1"/>
+          </a:fontRef>
+        </p:style>
+        <p:txBody>
+          <a:bodyPr rtlCol="0" anchor="ctr"/>
+          <a:lstStyle/>
+          <a:p>
+            <a:pPr algn="ctr"/>
+            <a:r>
+              <a:rPr lang="en-US" sz="3200" dirty="0" err="1" smtClean="0"/>
+              <a:t>Optimise</a:t>
+            </a:r>
+            <a:r>
+              <a:rPr lang="en-US" sz="3200" dirty="0" smtClean="0"/>
+              <a:t> Hyper- </a:t>
+            </a:r>
+            <a:r>
+              <a:rPr lang="en-US" sz="3200" dirty="0" err="1" smtClean="0"/>
+              <a:t>Params</a:t>
+            </a:r>
+            <a:endParaRPr lang="en-US" sz="3200" dirty="0"/>
+          </a:p>
+        </p:txBody>
+      </p:sp>
+      <p:sp>
+        <p:nvSpPr>
+          <p:cNvPr id="9" name="Round Single Corner Rectangle 8"/>
+          <p:cNvSpPr/>
+          <p:nvPr/>
+        </p:nvSpPr>
+        <p:spPr>
+          <a:xfrm rot="5400000">
+            <a:off x="8564527" y="11605438"/>
+            <a:ext cx="5539563" cy="1743740"/>
+          </a:xfrm>
+          <a:prstGeom prst="round1Rect">
+            <a:avLst>
+              <a:gd name="adj" fmla="val 13684"/>
+            </a:avLst>
+          </a:prstGeom>
+        </p:spPr>
+        <p:style>
+          <a:lnRef idx="2">
+            <a:schemeClr val="accent2">
+              <a:shade val="50000"/>
+            </a:schemeClr>
+          </a:lnRef>
+          <a:fillRef idx="1">
+            <a:schemeClr val="accent2"/>
+          </a:fillRef>
+          <a:effectRef idx="0">
+            <a:schemeClr val="accent2"/>
+          </a:effectRef>
+          <a:fontRef idx="minor">
+            <a:schemeClr val="lt1"/>
+          </a:fontRef>
+        </p:style>
+        <p:txBody>
+          <a:bodyPr rtlCol="0" anchor="ctr"/>
+          <a:lstStyle/>
+          <a:p>
+            <a:pPr algn="ctr"/>
+            <a:r>
+              <a:rPr lang="en-US" sz="3600" dirty="0" smtClean="0"/>
+              <a:t>Recommendation Model</a:t>
+            </a:r>
+            <a:endParaRPr lang="en-US" sz="3600" dirty="0"/>
+          </a:p>
+        </p:txBody>
+      </p:sp>
+      <p:sp>
+        <p:nvSpPr>
+          <p:cNvPr id="10" name="Rounded Rectangle 9"/>
+          <p:cNvSpPr/>
+          <p:nvPr/>
+        </p:nvSpPr>
+        <p:spPr>
+          <a:xfrm>
+            <a:off x="13719543" y="13280066"/>
+            <a:ext cx="2488018" cy="1743740"/>
+          </a:xfrm>
+          <a:prstGeom prst="roundRect">
+            <a:avLst/>
+          </a:prstGeom>
+        </p:spPr>
+        <p:style>
+          <a:lnRef idx="2">
+            <a:schemeClr val="accent1">
+              <a:shade val="50000"/>
+            </a:schemeClr>
+          </a:lnRef>
+          <a:fillRef idx="1">
+            <a:schemeClr val="accent1"/>
+          </a:fillRef>
+          <a:effectRef idx="0">
+            <a:schemeClr val="accent1"/>
+          </a:effectRef>
+          <a:fontRef idx="minor">
+            <a:schemeClr val="lt1"/>
+          </a:fontRef>
+        </p:style>
+        <p:txBody>
+          <a:bodyPr rtlCol="0" anchor="ctr"/>
+          <a:lstStyle/>
+          <a:p>
+            <a:pPr algn="ctr"/>
+            <a:r>
+              <a:rPr lang="en-US" sz="3200" dirty="0" smtClean="0"/>
+              <a:t>EVALUATE</a:t>
+            </a:r>
+            <a:endParaRPr lang="en-US" sz="3200" dirty="0"/>
+          </a:p>
+        </p:txBody>
+      </p:sp>
+      <p:cxnSp>
+        <p:nvCxnSpPr>
+          <p:cNvPr id="12" name="Straight Arrow Connector 11"/>
+          <p:cNvCxnSpPr>
+            <a:stCxn id="5" idx="4"/>
+            <a:endCxn id="8" idx="1"/>
+          </p:cNvCxnSpPr>
+          <p:nvPr/>
+        </p:nvCxnSpPr>
+        <p:spPr>
+          <a:xfrm flipV="1">
+            <a:off x="4231755" y="7448107"/>
+            <a:ext cx="1871332" cy="1"/>
+          </a:xfrm>
+          <a:prstGeom prst="straightConnector1">
+            <a:avLst/>
+          </a:prstGeom>
+          <a:ln w="127000">
+            <a:tailEnd type="triangle"/>
+          </a:ln>
+        </p:spPr>
+        <p:style>
+          <a:lnRef idx="1">
+            <a:schemeClr val="accent1"/>
+          </a:lnRef>
+          <a:fillRef idx="0">
+            <a:schemeClr val="accent1"/>
+          </a:fillRef>
+          <a:effectRef idx="0">
+            <a:schemeClr val="accent1"/>
+          </a:effectRef>
+          <a:fontRef idx="minor">
+            <a:schemeClr val="tx1"/>
+          </a:fontRef>
+        </p:style>
+      </p:cxnSp>
+      <p:cxnSp>
+        <p:nvCxnSpPr>
+          <p:cNvPr id="14" name="Straight Arrow Connector 13"/>
+          <p:cNvCxnSpPr/>
+          <p:nvPr/>
+        </p:nvCxnSpPr>
+        <p:spPr>
+          <a:xfrm>
+            <a:off x="6698512" y="8319977"/>
+            <a:ext cx="0" cy="1653363"/>
+          </a:xfrm>
+          <a:prstGeom prst="straightConnector1">
+            <a:avLst/>
+          </a:prstGeom>
+          <a:ln w="127000">
+            <a:tailEnd type="triangle"/>
+          </a:ln>
+        </p:spPr>
+        <p:style>
+          <a:lnRef idx="1">
+            <a:schemeClr val="accent1"/>
+          </a:lnRef>
+          <a:fillRef idx="0">
+            <a:schemeClr val="accent1"/>
+          </a:fillRef>
+          <a:effectRef idx="0">
+            <a:schemeClr val="accent1"/>
+          </a:effectRef>
+          <a:fontRef idx="minor">
+            <a:schemeClr val="tx1"/>
+          </a:fontRef>
+        </p:style>
+      </p:cxnSp>
+      <p:cxnSp>
+        <p:nvCxnSpPr>
+          <p:cNvPr id="16" name="Straight Arrow Connector 15"/>
+          <p:cNvCxnSpPr/>
+          <p:nvPr/>
+        </p:nvCxnSpPr>
+        <p:spPr>
+          <a:xfrm flipV="1">
+            <a:off x="7910623" y="8319977"/>
+            <a:ext cx="0" cy="1653363"/>
+          </a:xfrm>
+          <a:prstGeom prst="straightConnector1">
+            <a:avLst/>
+          </a:prstGeom>
+          <a:ln w="127000">
+            <a:tailEnd type="triangle"/>
+          </a:ln>
+        </p:spPr>
+        <p:style>
+          <a:lnRef idx="1">
+            <a:schemeClr val="accent1"/>
+          </a:lnRef>
+          <a:fillRef idx="0">
+            <a:schemeClr val="accent1"/>
+          </a:fillRef>
+          <a:effectRef idx="0">
+            <a:schemeClr val="accent1"/>
+          </a:effectRef>
+          <a:fontRef idx="minor">
+            <a:schemeClr val="tx1"/>
+          </a:fontRef>
+        </p:style>
+      </p:cxnSp>
+      <p:cxnSp>
+        <p:nvCxnSpPr>
+          <p:cNvPr id="18" name="Straight Arrow Connector 17"/>
+          <p:cNvCxnSpPr>
+            <a:stCxn id="4" idx="4"/>
+            <a:endCxn id="7" idx="1"/>
+          </p:cNvCxnSpPr>
+          <p:nvPr/>
+        </p:nvCxnSpPr>
+        <p:spPr>
+          <a:xfrm flipV="1">
+            <a:off x="4231756" y="10845210"/>
+            <a:ext cx="1871331" cy="1"/>
+          </a:xfrm>
+          <a:prstGeom prst="straightConnector1">
+            <a:avLst/>
+          </a:prstGeom>
+          <a:ln w="127000">
+            <a:tailEnd type="triangle"/>
+          </a:ln>
+        </p:spPr>
+        <p:style>
+          <a:lnRef idx="1">
+            <a:schemeClr val="accent1"/>
+          </a:lnRef>
+          <a:fillRef idx="0">
+            <a:schemeClr val="accent1"/>
+          </a:fillRef>
+          <a:effectRef idx="0">
+            <a:schemeClr val="accent1"/>
+          </a:effectRef>
+          <a:fontRef idx="minor">
+            <a:schemeClr val="tx1"/>
+          </a:fontRef>
+        </p:style>
+      </p:cxnSp>
+      <p:cxnSp>
+        <p:nvCxnSpPr>
+          <p:cNvPr id="19" name="Straight Arrow Connector 18"/>
+          <p:cNvCxnSpPr>
+            <a:stCxn id="7" idx="3"/>
+          </p:cNvCxnSpPr>
+          <p:nvPr/>
+        </p:nvCxnSpPr>
+        <p:spPr>
+          <a:xfrm>
+            <a:off x="8591105" y="10845210"/>
+            <a:ext cx="1871331" cy="0"/>
+          </a:xfrm>
+          <a:prstGeom prst="straightConnector1">
+            <a:avLst/>
+          </a:prstGeom>
+          <a:ln w="127000">
+            <a:tailEnd type="triangle"/>
+          </a:ln>
+        </p:spPr>
+        <p:style>
+          <a:lnRef idx="1">
+            <a:schemeClr val="accent1"/>
+          </a:lnRef>
+          <a:fillRef idx="0">
+            <a:schemeClr val="accent1"/>
+          </a:fillRef>
+          <a:effectRef idx="0">
+            <a:schemeClr val="accent1"/>
+          </a:effectRef>
+          <a:fontRef idx="minor">
+            <a:schemeClr val="tx1"/>
+          </a:fontRef>
+        </p:style>
+      </p:cxnSp>
+      <p:cxnSp>
+        <p:nvCxnSpPr>
+          <p:cNvPr id="22" name="Straight Arrow Connector 21"/>
+          <p:cNvCxnSpPr/>
+          <p:nvPr/>
+        </p:nvCxnSpPr>
+        <p:spPr>
+          <a:xfrm flipV="1">
+            <a:off x="4231756" y="14242313"/>
+            <a:ext cx="6230680" cy="2"/>
+          </a:xfrm>
+          <a:prstGeom prst="straightConnector1">
+            <a:avLst/>
+          </a:prstGeom>
+          <a:ln w="127000">
+            <a:tailEnd type="triangle"/>
+          </a:ln>
+        </p:spPr>
+        <p:style>
+          <a:lnRef idx="1">
+            <a:schemeClr val="accent1"/>
+          </a:lnRef>
+          <a:fillRef idx="0">
+            <a:schemeClr val="accent1"/>
+          </a:fillRef>
+          <a:effectRef idx="0">
+            <a:schemeClr val="accent1"/>
+          </a:effectRef>
+          <a:fontRef idx="minor">
+            <a:schemeClr val="tx1"/>
+          </a:fontRef>
+        </p:style>
+      </p:cxnSp>
+      <p:cxnSp>
+        <p:nvCxnSpPr>
+          <p:cNvPr id="24" name="Straight Arrow Connector 23"/>
+          <p:cNvCxnSpPr>
+            <a:endCxn id="10" idx="1"/>
+          </p:cNvCxnSpPr>
+          <p:nvPr/>
+        </p:nvCxnSpPr>
+        <p:spPr>
+          <a:xfrm>
+            <a:off x="12206181" y="14151936"/>
+            <a:ext cx="1513362" cy="0"/>
+          </a:xfrm>
+          <a:prstGeom prst="straightConnector1">
+            <a:avLst/>
+          </a:prstGeom>
+          <a:ln w="127000">
+            <a:tailEnd type="triangle"/>
+          </a:ln>
+        </p:spPr>
+        <p:style>
+          <a:lnRef idx="1">
+            <a:schemeClr val="accent1"/>
+          </a:lnRef>
+          <a:fillRef idx="0">
+            <a:schemeClr val="accent1"/>
+          </a:fillRef>
+          <a:effectRef idx="0">
+            <a:schemeClr val="accent1"/>
+          </a:effectRef>
+          <a:fontRef idx="minor">
+            <a:schemeClr val="tx1"/>
+          </a:fontRef>
+        </p:style>
+      </p:cxnSp>
+    </p:spTree>
+    <p:extLst>
+      <p:ext uri="{BB962C8B-B14F-4D97-AF65-F5344CB8AC3E}">
+        <p14:creationId xmlns:p14="http://schemas.microsoft.com/office/powerpoint/2010/main" val="410192273"/>
       </p:ext>
     </p:extLst>
   </p:cSld>
